--- a/New Microsoft PowerPoint Presentation.pptx
+++ b/New Microsoft PowerPoint Presentation.pptx
@@ -104,6 +104,11 @@
       </a:defRPr>
     </a:lvl9pPr>
   </p:defaultTextStyle>
+  <p:extLst>
+    <p:ext uri="{EFAFB233-063F-42B5-8137-9DF3F51BA10A}">
+      <p15:sldGuideLst xmlns:p15="http://schemas.microsoft.com/office/powerpoint/2012/main"/>
+    </p:ext>
+  </p:extLst>
 </p:presentation>
 </file>
 
@@ -2976,7 +2981,9 @@
         </p:nvSpPr>
         <p:spPr/>
         <p:txBody>
-          <a:bodyPr/>
+          <a:bodyPr>
+            <a:normAutofit fontScale="90000"/>
+          </a:bodyPr>
           <a:lstStyle/>
           <a:p>
             <a:r>
@@ -2992,16 +2999,28 @@
               <a:t>aufik</a:t>
             </a:r>
             <a:r>
-              <a:rPr lang="en-US" smtClean="0"/>
+              <a:rPr lang="en-US" dirty="0" smtClean="0"/>
+              <a:t> Ali from </a:t>
+            </a:r>
+            <a:r>
+              <a:rPr lang="en-US" dirty="0" err="1" smtClean="0"/>
+              <a:t>cse</a:t>
+            </a:r>
+            <a:r>
+              <a:rPr lang="en-US" dirty="0" smtClean="0"/>
               <a:t> </a:t>
             </a:r>
             <a:r>
-              <a:rPr lang="en-US" dirty="0" err="1"/>
-              <a:t>A</a:t>
-            </a:r>
-            <a:r>
-              <a:rPr lang="en-US" smtClean="0"/>
-              <a:t>li</a:t>
+              <a:rPr lang="en-US" dirty="0" err="1" smtClean="0"/>
+              <a:t>deprtment</a:t>
+            </a:r>
+            <a:r>
+              <a:rPr lang="en-US" smtClean="0"/>
+              <a:t> </a:t>
+            </a:r>
+            <a:r>
+              <a:rPr lang="en-US" smtClean="0"/>
+              <a:t>.</a:t>
             </a:r>
             <a:r>
               <a:rPr lang="en-US" dirty="0" smtClean="0"/>
@@ -3028,6 +3047,32 @@
         <p:txBody>
           <a:bodyPr/>
           <a:lstStyle/>
+          <a:p>
+            <a:r>
+              <a:rPr lang="en-US" dirty="0" smtClean="0"/>
+              <a:t>I am learning </a:t>
+            </a:r>
+            <a:r>
+              <a:rPr lang="en-US" dirty="0" err="1" smtClean="0"/>
+              <a:t>git</a:t>
+            </a:r>
+            <a:r>
+              <a:rPr lang="en-US" dirty="0" smtClean="0"/>
+              <a:t> and </a:t>
+            </a:r>
+            <a:r>
+              <a:rPr lang="en-US" dirty="0" err="1" smtClean="0"/>
+              <a:t>github</a:t>
+            </a:r>
+            <a:r>
+              <a:rPr lang="en-US" dirty="0" smtClean="0"/>
+              <a:t> </a:t>
+            </a:r>
+            <a:r>
+              <a:rPr lang="en-US" smtClean="0"/>
+              <a:t>with harry</a:t>
+            </a:r>
+          </a:p>
           <a:p>
             <a:endParaRPr lang="en-US"/>
           </a:p>
